--- a/docs/images/multi-arch.pptx
+++ b/docs/images/multi-arch.pptx
@@ -259,7 +259,7 @@
           <a:p>
             <a:fld id="{A24CE36D-7D50-9E4A-993E-6740E117EF6C}" type="datetimeFigureOut">
               <a:rPr lang="en-US" smtClean="0"/>
-              <a:t>6/9/20</a:t>
+              <a:t>6/10/20</a:t>
             </a:fld>
             <a:endParaRPr lang="en-US"/>
           </a:p>
@@ -457,7 +457,7 @@
           <a:p>
             <a:fld id="{A24CE36D-7D50-9E4A-993E-6740E117EF6C}" type="datetimeFigureOut">
               <a:rPr lang="en-US" smtClean="0"/>
-              <a:t>6/9/20</a:t>
+              <a:t>6/10/20</a:t>
             </a:fld>
             <a:endParaRPr lang="en-US"/>
           </a:p>
@@ -665,7 +665,7 @@
           <a:p>
             <a:fld id="{A24CE36D-7D50-9E4A-993E-6740E117EF6C}" type="datetimeFigureOut">
               <a:rPr lang="en-US" smtClean="0"/>
-              <a:t>6/9/20</a:t>
+              <a:t>6/10/20</a:t>
             </a:fld>
             <a:endParaRPr lang="en-US"/>
           </a:p>
@@ -863,7 +863,7 @@
           <a:p>
             <a:fld id="{A24CE36D-7D50-9E4A-993E-6740E117EF6C}" type="datetimeFigureOut">
               <a:rPr lang="en-US" smtClean="0"/>
-              <a:t>6/9/20</a:t>
+              <a:t>6/10/20</a:t>
             </a:fld>
             <a:endParaRPr lang="en-US"/>
           </a:p>
@@ -1138,7 +1138,7 @@
           <a:p>
             <a:fld id="{A24CE36D-7D50-9E4A-993E-6740E117EF6C}" type="datetimeFigureOut">
               <a:rPr lang="en-US" smtClean="0"/>
-              <a:t>6/9/20</a:t>
+              <a:t>6/10/20</a:t>
             </a:fld>
             <a:endParaRPr lang="en-US"/>
           </a:p>
@@ -1403,7 +1403,7 @@
           <a:p>
             <a:fld id="{A24CE36D-7D50-9E4A-993E-6740E117EF6C}" type="datetimeFigureOut">
               <a:rPr lang="en-US" smtClean="0"/>
-              <a:t>6/9/20</a:t>
+              <a:t>6/10/20</a:t>
             </a:fld>
             <a:endParaRPr lang="en-US"/>
           </a:p>
@@ -1815,7 +1815,7 @@
           <a:p>
             <a:fld id="{A24CE36D-7D50-9E4A-993E-6740E117EF6C}" type="datetimeFigureOut">
               <a:rPr lang="en-US" smtClean="0"/>
-              <a:t>6/9/20</a:t>
+              <a:t>6/10/20</a:t>
             </a:fld>
             <a:endParaRPr lang="en-US"/>
           </a:p>
@@ -1956,7 +1956,7 @@
           <a:p>
             <a:fld id="{A24CE36D-7D50-9E4A-993E-6740E117EF6C}" type="datetimeFigureOut">
               <a:rPr lang="en-US" smtClean="0"/>
-              <a:t>6/9/20</a:t>
+              <a:t>6/10/20</a:t>
             </a:fld>
             <a:endParaRPr lang="en-US"/>
           </a:p>
@@ -2069,7 +2069,7 @@
           <a:p>
             <a:fld id="{A24CE36D-7D50-9E4A-993E-6740E117EF6C}" type="datetimeFigureOut">
               <a:rPr lang="en-US" smtClean="0"/>
-              <a:t>6/9/20</a:t>
+              <a:t>6/10/20</a:t>
             </a:fld>
             <a:endParaRPr lang="en-US"/>
           </a:p>
@@ -2380,7 +2380,7 @@
           <a:p>
             <a:fld id="{A24CE36D-7D50-9E4A-993E-6740E117EF6C}" type="datetimeFigureOut">
               <a:rPr lang="en-US" smtClean="0"/>
-              <a:t>6/9/20</a:t>
+              <a:t>6/10/20</a:t>
             </a:fld>
             <a:endParaRPr lang="en-US"/>
           </a:p>
@@ -2668,7 +2668,7 @@
           <a:p>
             <a:fld id="{A24CE36D-7D50-9E4A-993E-6740E117EF6C}" type="datetimeFigureOut">
               <a:rPr lang="en-US" smtClean="0"/>
-              <a:t>6/9/20</a:t>
+              <a:t>6/10/20</a:t>
             </a:fld>
             <a:endParaRPr lang="en-US"/>
           </a:p>
@@ -2909,7 +2909,7 @@
           <a:p>
             <a:fld id="{A24CE36D-7D50-9E4A-993E-6740E117EF6C}" type="datetimeFigureOut">
               <a:rPr lang="en-US" smtClean="0"/>
-              <a:t>6/9/20</a:t>
+              <a:t>6/10/20</a:t>
             </a:fld>
             <a:endParaRPr lang="en-US"/>
           </a:p>
@@ -3340,7 +3340,7 @@
         </p:nvSpPr>
         <p:spPr>
           <a:xfrm>
-            <a:off x="4544510" y="6027378"/>
+            <a:off x="4231993" y="6027378"/>
             <a:ext cx="3293204" cy="680358"/>
           </a:xfrm>
           <a:prstGeom prst="rect">
@@ -3388,7 +3388,7 @@
         </p:nvSpPr>
         <p:spPr>
           <a:xfrm>
-            <a:off x="4544510" y="5219628"/>
+            <a:off x="4231993" y="5219628"/>
             <a:ext cx="3293204" cy="625587"/>
           </a:xfrm>
           <a:prstGeom prst="rect">
@@ -3436,7 +3436,7 @@
         </p:nvSpPr>
         <p:spPr>
           <a:xfrm>
-            <a:off x="4544509" y="4197251"/>
+            <a:off x="4231992" y="4197251"/>
             <a:ext cx="3293204" cy="631749"/>
           </a:xfrm>
           <a:prstGeom prst="rect">
@@ -3488,7 +3488,7 @@
         </p:nvSpPr>
         <p:spPr>
           <a:xfrm>
-            <a:off x="5898403" y="4513126"/>
+            <a:off x="5585886" y="4513126"/>
             <a:ext cx="585417" cy="769441"/>
           </a:xfrm>
           <a:prstGeom prst="rect">
@@ -3524,7 +3524,7 @@
         </p:nvSpPr>
         <p:spPr>
           <a:xfrm>
-            <a:off x="8389548" y="2815837"/>
+            <a:off x="8077031" y="2815837"/>
             <a:ext cx="3293204" cy="680358"/>
           </a:xfrm>
           <a:prstGeom prst="rect">
@@ -3553,7 +3553,7 @@
             <a:pPr algn="ctr"/>
             <a:r>
               <a:rPr lang="en-US" sz="2000" dirty="0"/>
-              <a:t>Initial shared layer</a:t>
+              <a:t>Initial layer</a:t>
             </a:r>
           </a:p>
         </p:txBody>
@@ -3572,7 +3572,7 @@
         </p:nvSpPr>
         <p:spPr>
           <a:xfrm>
-            <a:off x="8389548" y="2008087"/>
+            <a:off x="8077031" y="2008087"/>
             <a:ext cx="3293204" cy="625587"/>
           </a:xfrm>
           <a:prstGeom prst="rect">
@@ -3601,7 +3601,7 @@
             <a:pPr algn="ctr"/>
             <a:r>
               <a:rPr lang="en-US" sz="2000" dirty="0"/>
-              <a:t>Intermediate shared layer 1</a:t>
+              <a:t>Intermediate layer 1</a:t>
             </a:r>
           </a:p>
         </p:txBody>
@@ -3620,7 +3620,7 @@
         </p:nvSpPr>
         <p:spPr>
           <a:xfrm>
-            <a:off x="8389547" y="985710"/>
+            <a:off x="8077030" y="985710"/>
             <a:ext cx="3293204" cy="631749"/>
           </a:xfrm>
           <a:prstGeom prst="rect">
@@ -3649,7 +3649,7 @@
             <a:pPr algn="ctr"/>
             <a:r>
               <a:rPr lang="en-US" sz="2000" dirty="0"/>
-              <a:t>Intermediate shared layer </a:t>
+              <a:t>Intermediate layer </a:t>
             </a:r>
             <a:r>
               <a:rPr lang="en-US" sz="2000" i="1" dirty="0"/>
@@ -3672,7 +3672,7 @@
         </p:nvSpPr>
         <p:spPr>
           <a:xfrm>
-            <a:off x="9743441" y="1301585"/>
+            <a:off x="9430924" y="1301585"/>
             <a:ext cx="585417" cy="769441"/>
           </a:xfrm>
           <a:prstGeom prst="rect">
@@ -3708,7 +3708,7 @@
         </p:nvSpPr>
         <p:spPr>
           <a:xfrm>
-            <a:off x="647423" y="178235"/>
+            <a:off x="334906" y="178235"/>
             <a:ext cx="3293204" cy="631749"/>
           </a:xfrm>
           <a:prstGeom prst="rect">
@@ -3761,7 +3761,7 @@
         </p:nvCxnSpPr>
         <p:spPr>
           <a:xfrm flipV="1">
-            <a:off x="6191111" y="3496195"/>
+            <a:off x="5878594" y="3496195"/>
             <a:ext cx="3845039" cy="701056"/>
           </a:xfrm>
           <a:prstGeom prst="straightConnector1">
@@ -3801,7 +3801,7 @@
         </p:nvSpPr>
         <p:spPr>
           <a:xfrm rot="16200000">
-            <a:off x="-53026" y="278112"/>
+            <a:off x="-365543" y="278112"/>
             <a:ext cx="1012373" cy="461665"/>
           </a:xfrm>
           <a:prstGeom prst="rect">
@@ -3837,7 +3837,7 @@
         </p:nvSpPr>
         <p:spPr>
           <a:xfrm>
-            <a:off x="4544509" y="1997117"/>
+            <a:off x="4231992" y="1997117"/>
             <a:ext cx="3293204" cy="625587"/>
           </a:xfrm>
           <a:prstGeom prst="rect">
@@ -3866,7 +3866,7 @@
             <a:pPr algn="ctr"/>
             <a:r>
               <a:rPr lang="en-US" sz="2000" dirty="0"/>
-              <a:t>Intermediate shared layer 1</a:t>
+              <a:t>Intermediate layer 1</a:t>
             </a:r>
           </a:p>
         </p:txBody>
@@ -3885,7 +3885,7 @@
         </p:nvSpPr>
         <p:spPr>
           <a:xfrm>
-            <a:off x="4544508" y="974740"/>
+            <a:off x="4231991" y="974740"/>
             <a:ext cx="3293204" cy="631749"/>
           </a:xfrm>
           <a:prstGeom prst="rect">
@@ -3914,7 +3914,7 @@
             <a:pPr algn="ctr"/>
             <a:r>
               <a:rPr lang="en-US" sz="2000" dirty="0"/>
-              <a:t>Intermediate shared layer </a:t>
+              <a:t>Intermediate layer </a:t>
             </a:r>
             <a:r>
               <a:rPr lang="en-US" sz="2000" i="1" dirty="0"/>
@@ -3937,7 +3937,7 @@
         </p:nvSpPr>
         <p:spPr>
           <a:xfrm>
-            <a:off x="5898402" y="1290615"/>
+            <a:off x="5585885" y="1290615"/>
             <a:ext cx="585417" cy="769441"/>
           </a:xfrm>
           <a:prstGeom prst="rect">
@@ -3973,7 +3973,7 @@
         </p:nvSpPr>
         <p:spPr>
           <a:xfrm>
-            <a:off x="4544508" y="178235"/>
+            <a:off x="4231991" y="178235"/>
             <a:ext cx="3293204" cy="631749"/>
           </a:xfrm>
           <a:prstGeom prst="rect">
@@ -4026,7 +4026,7 @@
         </p:nvCxnSpPr>
         <p:spPr>
           <a:xfrm flipV="1">
-            <a:off x="6191111" y="2622704"/>
+            <a:off x="5878594" y="2622704"/>
             <a:ext cx="0" cy="1574547"/>
           </a:xfrm>
           <a:prstGeom prst="straightConnector1">
@@ -4066,7 +4066,7 @@
         </p:nvSpPr>
         <p:spPr>
           <a:xfrm rot="16200000">
-            <a:off x="3859535" y="1024185"/>
+            <a:off x="3547018" y="1024185"/>
             <a:ext cx="1012373" cy="461665"/>
           </a:xfrm>
           <a:prstGeom prst="rect">
@@ -4102,7 +4102,7 @@
         </p:nvSpPr>
         <p:spPr>
           <a:xfrm>
-            <a:off x="8389547" y="190420"/>
+            <a:off x="8077030" y="190420"/>
             <a:ext cx="3293204" cy="631749"/>
           </a:xfrm>
           <a:prstGeom prst="rect">
@@ -4155,7 +4155,7 @@
         </p:nvCxnSpPr>
         <p:spPr>
           <a:xfrm flipH="1" flipV="1">
-            <a:off x="2294025" y="809984"/>
+            <a:off x="1981508" y="809984"/>
             <a:ext cx="3897086" cy="3387267"/>
           </a:xfrm>
           <a:prstGeom prst="straightConnector1">
@@ -4195,7 +4195,7 @@
         </p:nvSpPr>
         <p:spPr>
           <a:xfrm rot="16200000">
-            <a:off x="7694744" y="1565968"/>
+            <a:off x="7382227" y="1565968"/>
             <a:ext cx="1012373" cy="461665"/>
           </a:xfrm>
           <a:prstGeom prst="rect">
@@ -4213,6 +4213,206 @@
             <a:r>
               <a:rPr lang="en-US" sz="2400" dirty="0"/>
               <a:t>Task 3</a:t>
+            </a:r>
+          </a:p>
+        </p:txBody>
+      </p:sp>
+      <p:cxnSp>
+        <p:nvCxnSpPr>
+          <p:cNvPr id="3" name="Straight Connector 2">
+            <a:extLst>
+              <a:ext uri="{FF2B5EF4-FFF2-40B4-BE49-F238E27FC236}">
+                <a16:creationId xmlns:a16="http://schemas.microsoft.com/office/drawing/2014/main" id="{4F1C8464-81C5-5C48-B03B-B3D11DAD0541}"/>
+              </a:ext>
+            </a:extLst>
+          </p:cNvPr>
+          <p:cNvCxnSpPr/>
+          <p:nvPr/>
+        </p:nvCxnSpPr>
+        <p:spPr>
+          <a:xfrm>
+            <a:off x="0" y="3923818"/>
+            <a:ext cx="12192000" cy="0"/>
+          </a:xfrm>
+          <a:prstGeom prst="line">
+            <a:avLst/>
+          </a:prstGeom>
+          <a:ln w="12700">
+            <a:solidFill>
+              <a:schemeClr val="tx1"/>
+            </a:solidFill>
+            <a:prstDash val="dashDot"/>
+          </a:ln>
+        </p:spPr>
+        <p:style>
+          <a:lnRef idx="1">
+            <a:schemeClr val="accent1"/>
+          </a:lnRef>
+          <a:fillRef idx="0">
+            <a:schemeClr val="accent1"/>
+          </a:fillRef>
+          <a:effectRef idx="0">
+            <a:schemeClr val="accent1"/>
+          </a:effectRef>
+          <a:fontRef idx="minor">
+            <a:schemeClr val="tx1"/>
+          </a:fontRef>
+        </p:style>
+      </p:cxnSp>
+      <p:cxnSp>
+        <p:nvCxnSpPr>
+          <p:cNvPr id="15" name="Straight Arrow Connector 14">
+            <a:extLst>
+              <a:ext uri="{FF2B5EF4-FFF2-40B4-BE49-F238E27FC236}">
+                <a16:creationId xmlns:a16="http://schemas.microsoft.com/office/drawing/2014/main" id="{2A564B1D-137F-314E-8ADD-A02D54F60A3A}"/>
+              </a:ext>
+            </a:extLst>
+          </p:cNvPr>
+          <p:cNvCxnSpPr/>
+          <p:nvPr/>
+        </p:nvCxnSpPr>
+        <p:spPr>
+          <a:xfrm>
+            <a:off x="11549848" y="3923818"/>
+            <a:ext cx="0" cy="2934182"/>
+          </a:xfrm>
+          <a:prstGeom prst="straightConnector1">
+            <a:avLst/>
+          </a:prstGeom>
+          <a:ln w="25400">
+            <a:solidFill>
+              <a:schemeClr val="tx1"/>
+            </a:solidFill>
+            <a:headEnd type="triangle" w="lg" len="lg"/>
+            <a:tailEnd type="triangle" w="lg" len="lg"/>
+          </a:ln>
+        </p:spPr>
+        <p:style>
+          <a:lnRef idx="1">
+            <a:schemeClr val="accent1"/>
+          </a:lnRef>
+          <a:fillRef idx="0">
+            <a:schemeClr val="accent1"/>
+          </a:fillRef>
+          <a:effectRef idx="0">
+            <a:schemeClr val="accent1"/>
+          </a:effectRef>
+          <a:fontRef idx="minor">
+            <a:schemeClr val="tx1"/>
+          </a:fontRef>
+        </p:style>
+      </p:cxnSp>
+      <p:sp>
+        <p:nvSpPr>
+          <p:cNvPr id="16" name="TextBox 15">
+            <a:extLst>
+              <a:ext uri="{FF2B5EF4-FFF2-40B4-BE49-F238E27FC236}">
+                <a16:creationId xmlns:a16="http://schemas.microsoft.com/office/drawing/2014/main" id="{C5DA588E-77CC-7140-BF90-B609092F860C}"/>
+              </a:ext>
+            </a:extLst>
+          </p:cNvPr>
+          <p:cNvSpPr txBox="1"/>
+          <p:nvPr/>
+        </p:nvSpPr>
+        <p:spPr>
+          <a:xfrm rot="16200000">
+            <a:off x="11018452" y="5241211"/>
+            <a:ext cx="1432123" cy="369332"/>
+          </a:xfrm>
+          <a:prstGeom prst="rect">
+            <a:avLst/>
+          </a:prstGeom>
+          <a:noFill/>
+        </p:spPr>
+        <p:txBody>
+          <a:bodyPr wrap="none" rtlCol="0">
+            <a:spAutoFit/>
+          </a:bodyPr>
+          <a:lstStyle/>
+          <a:p>
+            <a:r>
+              <a:rPr lang="en-US" dirty="0"/>
+              <a:t>Shared layers</a:t>
+            </a:r>
+          </a:p>
+        </p:txBody>
+      </p:sp>
+      <p:cxnSp>
+        <p:nvCxnSpPr>
+          <p:cNvPr id="28" name="Straight Arrow Connector 27">
+            <a:extLst>
+              <a:ext uri="{FF2B5EF4-FFF2-40B4-BE49-F238E27FC236}">
+                <a16:creationId xmlns:a16="http://schemas.microsoft.com/office/drawing/2014/main" id="{6F87F35F-049B-E642-B660-01F865A4D983}"/>
+              </a:ext>
+            </a:extLst>
+          </p:cNvPr>
+          <p:cNvCxnSpPr>
+            <a:cxnSpLocks/>
+          </p:cNvCxnSpPr>
+          <p:nvPr/>
+        </p:nvCxnSpPr>
+        <p:spPr>
+          <a:xfrm>
+            <a:off x="11550090" y="92597"/>
+            <a:ext cx="0" cy="3816325"/>
+          </a:xfrm>
+          <a:prstGeom prst="straightConnector1">
+            <a:avLst/>
+          </a:prstGeom>
+          <a:ln w="25400">
+            <a:solidFill>
+              <a:schemeClr val="tx1"/>
+            </a:solidFill>
+            <a:headEnd type="triangle" w="lg" len="lg"/>
+            <a:tailEnd type="triangle" w="lg" len="lg"/>
+          </a:ln>
+        </p:spPr>
+        <p:style>
+          <a:lnRef idx="1">
+            <a:schemeClr val="accent1"/>
+          </a:lnRef>
+          <a:fillRef idx="0">
+            <a:schemeClr val="accent1"/>
+          </a:fillRef>
+          <a:effectRef idx="0">
+            <a:schemeClr val="accent1"/>
+          </a:effectRef>
+          <a:fontRef idx="minor">
+            <a:schemeClr val="tx1"/>
+          </a:fontRef>
+        </p:style>
+      </p:cxnSp>
+      <p:sp>
+        <p:nvSpPr>
+          <p:cNvPr id="29" name="TextBox 28">
+            <a:extLst>
+              <a:ext uri="{FF2B5EF4-FFF2-40B4-BE49-F238E27FC236}">
+                <a16:creationId xmlns:a16="http://schemas.microsoft.com/office/drawing/2014/main" id="{51B2C980-7613-534C-9AB6-7CC816AD9D5C}"/>
+              </a:ext>
+            </a:extLst>
+          </p:cNvPr>
+          <p:cNvSpPr txBox="1"/>
+          <p:nvPr/>
+        </p:nvSpPr>
+        <p:spPr>
+          <a:xfrm rot="16200000">
+            <a:off x="10762241" y="1693974"/>
+            <a:ext cx="1939057" cy="369332"/>
+          </a:xfrm>
+          <a:prstGeom prst="rect">
+            <a:avLst/>
+          </a:prstGeom>
+          <a:noFill/>
+        </p:spPr>
+        <p:txBody>
+          <a:bodyPr wrap="none" rtlCol="0">
+            <a:spAutoFit/>
+          </a:bodyPr>
+          <a:lstStyle/>
+          <a:p>
+            <a:r>
+              <a:rPr lang="en-US" dirty="0"/>
+              <a:t>Task-specific layers</a:t>
             </a:r>
           </a:p>
         </p:txBody>
